--- a/발표.pptx
+++ b/발표.pptx
@@ -3399,7 +3399,7 @@
         </p:nvGrpSpPr>
         <p:grpSpPr>
           <a:xfrm>
-            <a:off x="1208313" y="1821992"/>
+            <a:off x="1208313" y="1563939"/>
             <a:ext cx="9775373" cy="3730122"/>
             <a:chOff x="1208313" y="1821992"/>
             <a:chExt cx="9775373" cy="3730122"/>
